--- a/Unit 1/For Live Session Unt 1  Student.pptx
+++ b/Unit 1/For Live Session Unt 1  Student.pptx
@@ -244,7 +244,7 @@
           <a:p>
             <a:fld id="{4E223589-D1FE-5045-809F-56B69D3AD8BF}" type="datetimeFigureOut">
               <a:rPr lang="en-US" smtClean="0"/>
-              <a:t>12/30/19</a:t>
+              <a:t>4/24/25</a:t>
             </a:fld>
             <a:endParaRPr lang="en-US"/>
           </a:p>
@@ -414,7 +414,7 @@
           <a:p>
             <a:fld id="{4E223589-D1FE-5045-809F-56B69D3AD8BF}" type="datetimeFigureOut">
               <a:rPr lang="en-US" smtClean="0"/>
-              <a:t>12/30/19</a:t>
+              <a:t>4/24/25</a:t>
             </a:fld>
             <a:endParaRPr lang="en-US"/>
           </a:p>
@@ -594,7 +594,7 @@
           <a:p>
             <a:fld id="{4E223589-D1FE-5045-809F-56B69D3AD8BF}" type="datetimeFigureOut">
               <a:rPr lang="en-US" smtClean="0"/>
-              <a:t>12/30/19</a:t>
+              <a:t>4/24/25</a:t>
             </a:fld>
             <a:endParaRPr lang="en-US"/>
           </a:p>
@@ -764,7 +764,7 @@
           <a:p>
             <a:fld id="{4E223589-D1FE-5045-809F-56B69D3AD8BF}" type="datetimeFigureOut">
               <a:rPr lang="en-US" smtClean="0"/>
-              <a:t>12/30/19</a:t>
+              <a:t>4/24/25</a:t>
             </a:fld>
             <a:endParaRPr lang="en-US"/>
           </a:p>
@@ -1008,7 +1008,7 @@
           <a:p>
             <a:fld id="{4E223589-D1FE-5045-809F-56B69D3AD8BF}" type="datetimeFigureOut">
               <a:rPr lang="en-US" smtClean="0"/>
-              <a:t>12/30/19</a:t>
+              <a:t>4/24/25</a:t>
             </a:fld>
             <a:endParaRPr lang="en-US"/>
           </a:p>
@@ -1240,7 +1240,7 @@
           <a:p>
             <a:fld id="{4E223589-D1FE-5045-809F-56B69D3AD8BF}" type="datetimeFigureOut">
               <a:rPr lang="en-US" smtClean="0"/>
-              <a:t>12/30/19</a:t>
+              <a:t>4/24/25</a:t>
             </a:fld>
             <a:endParaRPr lang="en-US"/>
           </a:p>
@@ -1607,7 +1607,7 @@
           <a:p>
             <a:fld id="{4E223589-D1FE-5045-809F-56B69D3AD8BF}" type="datetimeFigureOut">
               <a:rPr lang="en-US" smtClean="0"/>
-              <a:t>12/30/19</a:t>
+              <a:t>4/24/25</a:t>
             </a:fld>
             <a:endParaRPr lang="en-US"/>
           </a:p>
@@ -1725,7 +1725,7 @@
           <a:p>
             <a:fld id="{4E223589-D1FE-5045-809F-56B69D3AD8BF}" type="datetimeFigureOut">
               <a:rPr lang="en-US" smtClean="0"/>
-              <a:t>12/30/19</a:t>
+              <a:t>4/24/25</a:t>
             </a:fld>
             <a:endParaRPr lang="en-US"/>
           </a:p>
@@ -1820,7 +1820,7 @@
           <a:p>
             <a:fld id="{4E223589-D1FE-5045-809F-56B69D3AD8BF}" type="datetimeFigureOut">
               <a:rPr lang="en-US" smtClean="0"/>
-              <a:t>12/30/19</a:t>
+              <a:t>4/24/25</a:t>
             </a:fld>
             <a:endParaRPr lang="en-US"/>
           </a:p>
@@ -2097,7 +2097,7 @@
           <a:p>
             <a:fld id="{4E223589-D1FE-5045-809F-56B69D3AD8BF}" type="datetimeFigureOut">
               <a:rPr lang="en-US" smtClean="0"/>
-              <a:t>12/30/19</a:t>
+              <a:t>4/24/25</a:t>
             </a:fld>
             <a:endParaRPr lang="en-US"/>
           </a:p>
@@ -2354,7 +2354,7 @@
           <a:p>
             <a:fld id="{4E223589-D1FE-5045-809F-56B69D3AD8BF}" type="datetimeFigureOut">
               <a:rPr lang="en-US" smtClean="0"/>
-              <a:t>12/30/19</a:t>
+              <a:t>4/24/25</a:t>
             </a:fld>
             <a:endParaRPr lang="en-US"/>
           </a:p>
@@ -2567,7 +2567,7 @@
           <a:p>
             <a:fld id="{4E223589-D1FE-5045-809F-56B69D3AD8BF}" type="datetimeFigureOut">
               <a:rPr lang="en-US" smtClean="0"/>
-              <a:t>12/30/19</a:t>
+              <a:t>4/24/25</a:t>
             </a:fld>
             <a:endParaRPr lang="en-US"/>
           </a:p>
@@ -3102,15 +3102,7 @@
             </a:br>
             <a:r>
               <a:rPr lang="en-US" dirty="0"/>
-              <a:t>Make a </a:t>
-            </a:r>
-            <a:r>
-              <a:rPr lang="en-US" dirty="0" err="1"/>
-              <a:t>Powerpoint</a:t>
-            </a:r>
-            <a:r>
-              <a:rPr lang="en-US" dirty="0"/>
-              <a:t> slide for 2,3 and 4. </a:t>
+              <a:t>Make a PowerPoint slide for 2,3 and 4. </a:t>
             </a:r>
           </a:p>
         </p:txBody>
@@ -3134,7 +3126,7 @@
         <p:spPr>
           <a:xfrm>
             <a:off x="211873" y="2129883"/>
-            <a:ext cx="8753707" cy="4728117"/>
+            <a:ext cx="8832736" cy="4728117"/>
           </a:xfrm>
         </p:spPr>
         <p:txBody>
@@ -3145,15 +3137,7 @@
           <a:p>
             <a:r>
               <a:rPr lang="en-US" dirty="0"/>
-              <a:t>1. Be prepared to discuss your responses to the </a:t>
-            </a:r>
-            <a:r>
-              <a:rPr lang="en-US" dirty="0" err="1"/>
-              <a:t>asynch</a:t>
-            </a:r>
-            <a:r>
-              <a:rPr lang="en-US" dirty="0"/>
-              <a:t> video questions.</a:t>
+              <a:t>1. Be prepared to discuss your responses to the async video questions.</a:t>
             </a:r>
           </a:p>
           <a:p>
@@ -3169,15 +3153,7 @@
           <a:p>
             <a:r>
               <a:rPr lang="en-US" dirty="0"/>
-              <a:t>2. Watch the video below where Michael Lewis (author of </a:t>
-            </a:r>
-            <a:r>
-              <a:rPr lang="en-US" dirty="0" err="1"/>
-              <a:t>moneyball</a:t>
-            </a:r>
-            <a:r>
-              <a:rPr lang="en-US" dirty="0"/>
-              <a:t>) discusses his book and its applications.</a:t>
+              <a:t>2. Watch the video below where Michael Lewis (author of Moneyball) discusses his book and its applications.</a:t>
             </a:r>
           </a:p>
           <a:p>
@@ -3256,7 +3232,7 @@
           <a:p>
             <a:r>
               <a:rPr lang="en-US" dirty="0"/>
-              <a:t>Submit you PPT slides to 2DS 24 hours before live session.</a:t>
+              <a:t>Submit your slide deck to Canvas by 1pm CST the day of class. </a:t>
             </a:r>
           </a:p>
         </p:txBody>

--- a/Unit 1/For Live Session Unt 1  Student.pptx
+++ b/Unit 1/For Live Session Unt 1  Student.pptx
@@ -244,7 +244,7 @@
           <a:p>
             <a:fld id="{4E223589-D1FE-5045-809F-56B69D3AD8BF}" type="datetimeFigureOut">
               <a:rPr lang="en-US" smtClean="0"/>
-              <a:t>4/24/25</a:t>
+              <a:t>4/28/25</a:t>
             </a:fld>
             <a:endParaRPr lang="en-US"/>
           </a:p>
@@ -414,7 +414,7 @@
           <a:p>
             <a:fld id="{4E223589-D1FE-5045-809F-56B69D3AD8BF}" type="datetimeFigureOut">
               <a:rPr lang="en-US" smtClean="0"/>
-              <a:t>4/24/25</a:t>
+              <a:t>4/28/25</a:t>
             </a:fld>
             <a:endParaRPr lang="en-US"/>
           </a:p>
@@ -594,7 +594,7 @@
           <a:p>
             <a:fld id="{4E223589-D1FE-5045-809F-56B69D3AD8BF}" type="datetimeFigureOut">
               <a:rPr lang="en-US" smtClean="0"/>
-              <a:t>4/24/25</a:t>
+              <a:t>4/28/25</a:t>
             </a:fld>
             <a:endParaRPr lang="en-US"/>
           </a:p>
@@ -764,7 +764,7 @@
           <a:p>
             <a:fld id="{4E223589-D1FE-5045-809F-56B69D3AD8BF}" type="datetimeFigureOut">
               <a:rPr lang="en-US" smtClean="0"/>
-              <a:t>4/24/25</a:t>
+              <a:t>4/28/25</a:t>
             </a:fld>
             <a:endParaRPr lang="en-US"/>
           </a:p>
@@ -1008,7 +1008,7 @@
           <a:p>
             <a:fld id="{4E223589-D1FE-5045-809F-56B69D3AD8BF}" type="datetimeFigureOut">
               <a:rPr lang="en-US" smtClean="0"/>
-              <a:t>4/24/25</a:t>
+              <a:t>4/28/25</a:t>
             </a:fld>
             <a:endParaRPr lang="en-US"/>
           </a:p>
@@ -1240,7 +1240,7 @@
           <a:p>
             <a:fld id="{4E223589-D1FE-5045-809F-56B69D3AD8BF}" type="datetimeFigureOut">
               <a:rPr lang="en-US" smtClean="0"/>
-              <a:t>4/24/25</a:t>
+              <a:t>4/28/25</a:t>
             </a:fld>
             <a:endParaRPr lang="en-US"/>
           </a:p>
@@ -1607,7 +1607,7 @@
           <a:p>
             <a:fld id="{4E223589-D1FE-5045-809F-56B69D3AD8BF}" type="datetimeFigureOut">
               <a:rPr lang="en-US" smtClean="0"/>
-              <a:t>4/24/25</a:t>
+              <a:t>4/28/25</a:t>
             </a:fld>
             <a:endParaRPr lang="en-US"/>
           </a:p>
@@ -1725,7 +1725,7 @@
           <a:p>
             <a:fld id="{4E223589-D1FE-5045-809F-56B69D3AD8BF}" type="datetimeFigureOut">
               <a:rPr lang="en-US" smtClean="0"/>
-              <a:t>4/24/25</a:t>
+              <a:t>4/28/25</a:t>
             </a:fld>
             <a:endParaRPr lang="en-US"/>
           </a:p>
@@ -1820,7 +1820,7 @@
           <a:p>
             <a:fld id="{4E223589-D1FE-5045-809F-56B69D3AD8BF}" type="datetimeFigureOut">
               <a:rPr lang="en-US" smtClean="0"/>
-              <a:t>4/24/25</a:t>
+              <a:t>4/28/25</a:t>
             </a:fld>
             <a:endParaRPr lang="en-US"/>
           </a:p>
@@ -2097,7 +2097,7 @@
           <a:p>
             <a:fld id="{4E223589-D1FE-5045-809F-56B69D3AD8BF}" type="datetimeFigureOut">
               <a:rPr lang="en-US" smtClean="0"/>
-              <a:t>4/24/25</a:t>
+              <a:t>4/28/25</a:t>
             </a:fld>
             <a:endParaRPr lang="en-US"/>
           </a:p>
@@ -2354,7 +2354,7 @@
           <a:p>
             <a:fld id="{4E223589-D1FE-5045-809F-56B69D3AD8BF}" type="datetimeFigureOut">
               <a:rPr lang="en-US" smtClean="0"/>
-              <a:t>4/24/25</a:t>
+              <a:t>4/28/25</a:t>
             </a:fld>
             <a:endParaRPr lang="en-US"/>
           </a:p>
@@ -2567,7 +2567,7 @@
           <a:p>
             <a:fld id="{4E223589-D1FE-5045-809F-56B69D3AD8BF}" type="datetimeFigureOut">
               <a:rPr lang="en-US" smtClean="0"/>
-              <a:t>4/24/25</a:t>
+              <a:t>4/28/25</a:t>
             </a:fld>
             <a:endParaRPr lang="en-US"/>
           </a:p>
@@ -2994,8 +2994,8 @@
           <a:lstStyle/>
           <a:p>
             <a:r>
-              <a:rPr lang="en-US" dirty="0"/>
-              <a:t>DS 7363 </a:t>
+              <a:rPr lang="en-US"/>
+              <a:t>DS 7374 </a:t>
             </a:r>
             <a:br>
               <a:rPr lang="en-US" dirty="0"/>
